--- a/Young Scientist software/Labels/Presentation page 2.pptx
+++ b/Young Scientist software/Labels/Presentation page 2.pptx
@@ -9,7 +9,7 @@
     <p:sldId id="257" r:id="rId3"/>
   </p:sldIdLst>
   <p:sldSz cx="12192000" cy="6858000"/>
-  <p:notesSz cx="6858000" cy="9144000"/>
+  <p:notesSz cx="6858000" cy="9945688"/>
   <p:defaultTextStyle>
     <a:defPPr>
       <a:defRPr lang="en-US"/>
@@ -2994,8 +2994,8 @@
         </p:blipFill>
         <p:spPr bwMode="auto">
           <a:xfrm>
-            <a:off x="360783" y="1677498"/>
-            <a:ext cx="3744836" cy="2303075"/>
+            <a:off x="729083" y="1389522"/>
+            <a:ext cx="3271417" cy="2011922"/>
           </a:xfrm>
           <a:prstGeom prst="rect">
             <a:avLst/>
@@ -3039,7 +3039,7 @@
         </p:blipFill>
         <p:spPr bwMode="auto">
           <a:xfrm>
-            <a:off x="8129285" y="1399903"/>
+            <a:off x="8015111" y="1996244"/>
             <a:ext cx="3619984" cy="1589069"/>
           </a:xfrm>
           <a:prstGeom prst="rect">
@@ -3071,7 +3071,7 @@
         </p:nvSpPr>
         <p:spPr>
           <a:xfrm>
-            <a:off x="7887301" y="3321635"/>
+            <a:off x="7853759" y="3585313"/>
             <a:ext cx="3942688" cy="1035332"/>
           </a:xfrm>
           <a:prstGeom prst="rect">
@@ -3338,8 +3338,8 @@
         </p:blipFill>
         <p:spPr>
           <a:xfrm>
-            <a:off x="4483173" y="965948"/>
-            <a:ext cx="3268558" cy="3283832"/>
+            <a:off x="4644525" y="882655"/>
+            <a:ext cx="3370586" cy="3386337"/>
           </a:xfrm>
           <a:prstGeom prst="rect">
             <a:avLst/>
@@ -3362,8 +3362,8 @@
         </p:blipFill>
         <p:spPr>
           <a:xfrm>
-            <a:off x="241299" y="4356967"/>
-            <a:ext cx="5178425" cy="2135908"/>
+            <a:off x="475083" y="3772767"/>
+            <a:ext cx="4445001" cy="1833398"/>
           </a:xfrm>
           <a:prstGeom prst="rect">
             <a:avLst/>
@@ -3394,38 +3394,556 @@
           </a:prstGeom>
         </p:spPr>
       </p:pic>
-      <p:pic>
-        <p:nvPicPr>
-          <p:cNvPr id="16" name="Picture 15"/>
-          <p:cNvPicPr>
-            <a:picLocks noChangeAspect="1"/>
-          </p:cNvPicPr>
+      <p:sp>
+        <p:nvSpPr>
+          <p:cNvPr id="17" name="TextBox 2"/>
+          <p:cNvSpPr txBox="1"/>
           <p:nvPr/>
-        </p:nvPicPr>
-        <p:blipFill>
-          <a:blip r:embed="rId7"/>
-          <a:stretch>
-            <a:fillRect/>
-          </a:stretch>
-        </p:blipFill>
+        </p:nvSpPr>
         <p:spPr>
-          <a:xfrm flipH="1">
-            <a:off x="5853403" y="4582443"/>
-            <a:ext cx="3062425" cy="2041617"/>
+          <a:xfrm>
+            <a:off x="15479" y="5805713"/>
+            <a:ext cx="12176521" cy="1052287"/>
           </a:xfrm>
           <a:prstGeom prst="rect">
             <a:avLst/>
           </a:prstGeom>
-          <a:ln>
-            <a:noFill/>
+          <a:solidFill>
+            <a:srgbClr val="C80000"/>
+          </a:solidFill>
+          <a:effectLst>
+            <a:softEdge rad="31750"/>
+          </a:effectLst>
+        </p:spPr>
+        <p:txBody>
+          <a:bodyPr wrap="square" lIns="0" tIns="0" rIns="0" bIns="0" rtlCol="0">
+            <a:noAutofit/>
+          </a:bodyPr>
+          <a:lstStyle>
+            <a:defPPr>
+              <a:defRPr lang="en-US"/>
+            </a:defPPr>
+            <a:lvl1pPr marL="0" algn="l" defTabSz="2983139" rtl="0" eaLnBrk="1" latinLnBrk="0" hangingPunct="1">
+              <a:defRPr sz="5900" kern="1200">
+                <a:solidFill>
+                  <a:schemeClr val="tx1"/>
+                </a:solidFill>
+                <a:latin typeface="+mn-lt"/>
+                <a:ea typeface="+mn-ea"/>
+                <a:cs typeface="+mn-cs"/>
+              </a:defRPr>
+            </a:lvl1pPr>
+            <a:lvl2pPr marL="1491569" algn="l" defTabSz="2983139" rtl="0" eaLnBrk="1" latinLnBrk="0" hangingPunct="1">
+              <a:defRPr sz="5900" kern="1200">
+                <a:solidFill>
+                  <a:schemeClr val="tx1"/>
+                </a:solidFill>
+                <a:latin typeface="+mn-lt"/>
+                <a:ea typeface="+mn-ea"/>
+                <a:cs typeface="+mn-cs"/>
+              </a:defRPr>
+            </a:lvl2pPr>
+            <a:lvl3pPr marL="2983139" algn="l" defTabSz="2983139" rtl="0" eaLnBrk="1" latinLnBrk="0" hangingPunct="1">
+              <a:defRPr sz="5900" kern="1200">
+                <a:solidFill>
+                  <a:schemeClr val="tx1"/>
+                </a:solidFill>
+                <a:latin typeface="+mn-lt"/>
+                <a:ea typeface="+mn-ea"/>
+                <a:cs typeface="+mn-cs"/>
+              </a:defRPr>
+            </a:lvl3pPr>
+            <a:lvl4pPr marL="4474708" algn="l" defTabSz="2983139" rtl="0" eaLnBrk="1" latinLnBrk="0" hangingPunct="1">
+              <a:defRPr sz="5900" kern="1200">
+                <a:solidFill>
+                  <a:schemeClr val="tx1"/>
+                </a:solidFill>
+                <a:latin typeface="+mn-lt"/>
+                <a:ea typeface="+mn-ea"/>
+                <a:cs typeface="+mn-cs"/>
+              </a:defRPr>
+            </a:lvl4pPr>
+            <a:lvl5pPr marL="5966277" algn="l" defTabSz="2983139" rtl="0" eaLnBrk="1" latinLnBrk="0" hangingPunct="1">
+              <a:defRPr sz="5900" kern="1200">
+                <a:solidFill>
+                  <a:schemeClr val="tx1"/>
+                </a:solidFill>
+                <a:latin typeface="+mn-lt"/>
+                <a:ea typeface="+mn-ea"/>
+                <a:cs typeface="+mn-cs"/>
+              </a:defRPr>
+            </a:lvl5pPr>
+            <a:lvl6pPr marL="7457846" algn="l" defTabSz="2983139" rtl="0" eaLnBrk="1" latinLnBrk="0" hangingPunct="1">
+              <a:defRPr sz="5900" kern="1200">
+                <a:solidFill>
+                  <a:schemeClr val="tx1"/>
+                </a:solidFill>
+                <a:latin typeface="+mn-lt"/>
+                <a:ea typeface="+mn-ea"/>
+                <a:cs typeface="+mn-cs"/>
+              </a:defRPr>
+            </a:lvl6pPr>
+            <a:lvl7pPr marL="8949416" algn="l" defTabSz="2983139" rtl="0" eaLnBrk="1" latinLnBrk="0" hangingPunct="1">
+              <a:defRPr sz="5900" kern="1200">
+                <a:solidFill>
+                  <a:schemeClr val="tx1"/>
+                </a:solidFill>
+                <a:latin typeface="+mn-lt"/>
+                <a:ea typeface="+mn-ea"/>
+                <a:cs typeface="+mn-cs"/>
+              </a:defRPr>
+            </a:lvl7pPr>
+            <a:lvl8pPr marL="10440985" algn="l" defTabSz="2983139" rtl="0" eaLnBrk="1" latinLnBrk="0" hangingPunct="1">
+              <a:defRPr sz="5900" kern="1200">
+                <a:solidFill>
+                  <a:schemeClr val="tx1"/>
+                </a:solidFill>
+                <a:latin typeface="+mn-lt"/>
+                <a:ea typeface="+mn-ea"/>
+                <a:cs typeface="+mn-cs"/>
+              </a:defRPr>
+            </a:lvl8pPr>
+            <a:lvl9pPr marL="11932554" algn="l" defTabSz="2983139" rtl="0" eaLnBrk="1" latinLnBrk="0" hangingPunct="1">
+              <a:defRPr sz="5900" kern="1200">
+                <a:solidFill>
+                  <a:schemeClr val="tx1"/>
+                </a:solidFill>
+                <a:latin typeface="+mn-lt"/>
+                <a:ea typeface="+mn-ea"/>
+                <a:cs typeface="+mn-cs"/>
+              </a:defRPr>
+            </a:lvl9pPr>
+          </a:lstStyle>
+          <a:p>
+            <a:pPr algn="ctr" defTabSz="457200">
+              <a:buClr>
+                <a:srgbClr val="1E4056"/>
+              </a:buClr>
+              <a:buSzPct val="75000"/>
+            </a:pPr>
+            <a:r>
+              <a:rPr lang="en-GB" sz="2400" dirty="0" smtClean="0">
+                <a:solidFill>
+                  <a:schemeClr val="bg1"/>
+                </a:solidFill>
+              </a:rPr>
+              <a:t>Claire </a:t>
+            </a:r>
+            <a:r>
+              <a:rPr lang="en-GB" sz="2400" dirty="0">
+                <a:solidFill>
+                  <a:schemeClr val="bg1"/>
+                </a:solidFill>
+              </a:rPr>
+              <a:t>Cooney &amp; Ellen </a:t>
+            </a:r>
+            <a:r>
+              <a:rPr lang="en-GB" sz="2400" dirty="0" smtClean="0">
+                <a:solidFill>
+                  <a:schemeClr val="bg1"/>
+                </a:solidFill>
+              </a:rPr>
+              <a:t>Murphy</a:t>
+            </a:r>
+            <a:endParaRPr lang="en-GB" sz="2400" dirty="0">
+              <a:solidFill>
+                <a:schemeClr val="bg1"/>
+              </a:solidFill>
+            </a:endParaRPr>
+          </a:p>
+          <a:p>
+            <a:pPr algn="ctr" defTabSz="457200">
+              <a:buClr>
+                <a:srgbClr val="1E4056"/>
+              </a:buClr>
+              <a:buSzPct val="75000"/>
+            </a:pPr>
+            <a:r>
+              <a:rPr lang="en-GB" sz="2000" dirty="0">
+                <a:solidFill>
+                  <a:schemeClr val="bg1"/>
+                </a:solidFill>
+              </a:rPr>
+              <a:t> Laurel Hill Secondary School FCJ, South Circular Road, Limerick</a:t>
+            </a:r>
+          </a:p>
+        </p:txBody>
+      </p:sp>
+      <p:pic>
+        <p:nvPicPr>
+          <p:cNvPr id="18" name="Picture 17" descr="Image result for laurel hill secondary school">
+            <a:hlinkClick r:id="rId7"/>
+          </p:cNvPr>
+          <p:cNvPicPr>
+            <a:picLocks noChangeAspect="1" noChangeArrowheads="1"/>
+          </p:cNvPicPr>
+          <p:nvPr/>
+        </p:nvPicPr>
+        <p:blipFill rotWithShape="1">
+          <a:blip r:embed="rId8">
+            <a:extLst>
+              <a:ext uri="{28A0092B-C50C-407E-A947-70E740481C1C}">
+                <a14:useLocalDpi xmlns:a14="http://schemas.microsoft.com/office/drawing/2010/main" val="0"/>
+              </a:ext>
+            </a:extLst>
+          </a:blip>
+          <a:srcRect r="75582"/>
+          <a:stretch/>
+        </p:blipFill>
+        <p:spPr bwMode="auto">
+          <a:xfrm>
+            <a:off x="80220" y="5867400"/>
+            <a:ext cx="961237" cy="943470"/>
+          </a:xfrm>
+          <a:prstGeom prst="rect">
+            <a:avLst/>
+          </a:prstGeom>
+          <a:solidFill>
+            <a:srgbClr val="FFFFFF">
+              <a:shade val="85000"/>
+            </a:srgbClr>
+          </a:solidFill>
+          <a:ln w="88900" cap="sq">
+            <a:solidFill>
+              <a:srgbClr val="FFFFFF"/>
+            </a:solidFill>
+            <a:miter lim="800000"/>
           </a:ln>
           <a:effectLst>
-            <a:outerShdw blurRad="292100" dist="139700" dir="2700000" algn="tl" rotWithShape="0">
-              <a:srgbClr val="333333">
-                <a:alpha val="65000"/>
+            <a:outerShdw blurRad="55000" dist="18000" dir="5400000" algn="tl" rotWithShape="0">
+              <a:srgbClr val="000000">
+                <a:alpha val="40000"/>
               </a:srgbClr>
             </a:outerShdw>
           </a:effectLst>
+          <a:scene3d>
+            <a:camera prst="orthographicFront"/>
+            <a:lightRig rig="twoPt" dir="t">
+              <a:rot lat="0" lon="0" rev="7200000"/>
+            </a:lightRig>
+          </a:scene3d>
+          <a:sp3d>
+            <a:bevelT w="25400" h="19050"/>
+            <a:contourClr>
+              <a:srgbClr val="FFFFFF"/>
+            </a:contourClr>
+          </a:sp3d>
+          <a:extLst/>
+        </p:spPr>
+      </p:pic>
+      <p:sp>
+        <p:nvSpPr>
+          <p:cNvPr id="19" name="TextBox 4"/>
+          <p:cNvSpPr txBox="1"/>
+          <p:nvPr/>
+        </p:nvSpPr>
+        <p:spPr>
+          <a:xfrm>
+            <a:off x="3435734" y="6579592"/>
+            <a:ext cx="7908087" cy="278408"/>
+          </a:xfrm>
+          <a:prstGeom prst="rect">
+            <a:avLst/>
+          </a:prstGeom>
+          <a:noFill/>
+        </p:spPr>
+        <p:txBody>
+          <a:bodyPr wrap="square" lIns="0" tIns="0" rIns="0" bIns="0" rtlCol="0">
+            <a:noAutofit/>
+          </a:bodyPr>
+          <a:lstStyle>
+            <a:defPPr>
+              <a:defRPr lang="en-US"/>
+            </a:defPPr>
+            <a:lvl1pPr marL="0" algn="l" defTabSz="2983139" rtl="0" eaLnBrk="1" latinLnBrk="0" hangingPunct="1">
+              <a:defRPr sz="5900" kern="1200">
+                <a:solidFill>
+                  <a:schemeClr val="tx1"/>
+                </a:solidFill>
+                <a:latin typeface="+mn-lt"/>
+                <a:ea typeface="+mn-ea"/>
+                <a:cs typeface="+mn-cs"/>
+              </a:defRPr>
+            </a:lvl1pPr>
+            <a:lvl2pPr marL="1491569" algn="l" defTabSz="2983139" rtl="0" eaLnBrk="1" latinLnBrk="0" hangingPunct="1">
+              <a:defRPr sz="5900" kern="1200">
+                <a:solidFill>
+                  <a:schemeClr val="tx1"/>
+                </a:solidFill>
+                <a:latin typeface="+mn-lt"/>
+                <a:ea typeface="+mn-ea"/>
+                <a:cs typeface="+mn-cs"/>
+              </a:defRPr>
+            </a:lvl2pPr>
+            <a:lvl3pPr marL="2983139" algn="l" defTabSz="2983139" rtl="0" eaLnBrk="1" latinLnBrk="0" hangingPunct="1">
+              <a:defRPr sz="5900" kern="1200">
+                <a:solidFill>
+                  <a:schemeClr val="tx1"/>
+                </a:solidFill>
+                <a:latin typeface="+mn-lt"/>
+                <a:ea typeface="+mn-ea"/>
+                <a:cs typeface="+mn-cs"/>
+              </a:defRPr>
+            </a:lvl3pPr>
+            <a:lvl4pPr marL="4474708" algn="l" defTabSz="2983139" rtl="0" eaLnBrk="1" latinLnBrk="0" hangingPunct="1">
+              <a:defRPr sz="5900" kern="1200">
+                <a:solidFill>
+                  <a:schemeClr val="tx1"/>
+                </a:solidFill>
+                <a:latin typeface="+mn-lt"/>
+                <a:ea typeface="+mn-ea"/>
+                <a:cs typeface="+mn-cs"/>
+              </a:defRPr>
+            </a:lvl4pPr>
+            <a:lvl5pPr marL="5966277" algn="l" defTabSz="2983139" rtl="0" eaLnBrk="1" latinLnBrk="0" hangingPunct="1">
+              <a:defRPr sz="5900" kern="1200">
+                <a:solidFill>
+                  <a:schemeClr val="tx1"/>
+                </a:solidFill>
+                <a:latin typeface="+mn-lt"/>
+                <a:ea typeface="+mn-ea"/>
+                <a:cs typeface="+mn-cs"/>
+              </a:defRPr>
+            </a:lvl5pPr>
+            <a:lvl6pPr marL="7457846" algn="l" defTabSz="2983139" rtl="0" eaLnBrk="1" latinLnBrk="0" hangingPunct="1">
+              <a:defRPr sz="5900" kern="1200">
+                <a:solidFill>
+                  <a:schemeClr val="tx1"/>
+                </a:solidFill>
+                <a:latin typeface="+mn-lt"/>
+                <a:ea typeface="+mn-ea"/>
+                <a:cs typeface="+mn-cs"/>
+              </a:defRPr>
+            </a:lvl6pPr>
+            <a:lvl7pPr marL="8949416" algn="l" defTabSz="2983139" rtl="0" eaLnBrk="1" latinLnBrk="0" hangingPunct="1">
+              <a:defRPr sz="5900" kern="1200">
+                <a:solidFill>
+                  <a:schemeClr val="tx1"/>
+                </a:solidFill>
+                <a:latin typeface="+mn-lt"/>
+                <a:ea typeface="+mn-ea"/>
+                <a:cs typeface="+mn-cs"/>
+              </a:defRPr>
+            </a:lvl7pPr>
+            <a:lvl8pPr marL="10440985" algn="l" defTabSz="2983139" rtl="0" eaLnBrk="1" latinLnBrk="0" hangingPunct="1">
+              <a:defRPr sz="5900" kern="1200">
+                <a:solidFill>
+                  <a:schemeClr val="tx1"/>
+                </a:solidFill>
+                <a:latin typeface="+mn-lt"/>
+                <a:ea typeface="+mn-ea"/>
+                <a:cs typeface="+mn-cs"/>
+              </a:defRPr>
+            </a:lvl8pPr>
+            <a:lvl9pPr marL="11932554" algn="l" defTabSz="2983139" rtl="0" eaLnBrk="1" latinLnBrk="0" hangingPunct="1">
+              <a:defRPr sz="5900" kern="1200">
+                <a:solidFill>
+                  <a:schemeClr val="tx1"/>
+                </a:solidFill>
+                <a:latin typeface="+mn-lt"/>
+                <a:ea typeface="+mn-ea"/>
+                <a:cs typeface="+mn-cs"/>
+              </a:defRPr>
+            </a:lvl9pPr>
+          </a:lstStyle>
+          <a:p>
+            <a:pPr defTabSz="457200">
+              <a:spcBef>
+                <a:spcPts val="1000"/>
+              </a:spcBef>
+              <a:buClr>
+                <a:srgbClr val="1E4056"/>
+              </a:buClr>
+              <a:buSzPct val="75000"/>
+            </a:pPr>
+            <a:r>
+              <a:rPr lang="en-IE" sz="1400" b="1" dirty="0" smtClean="0">
+                <a:solidFill>
+                  <a:schemeClr val="bg1"/>
+                </a:solidFill>
+              </a:rPr>
+              <a:t>References  </a:t>
+            </a:r>
+            <a:r>
+              <a:rPr lang="en-IE" sz="1400" dirty="0" smtClean="0">
+                <a:solidFill>
+                  <a:schemeClr val="bg1"/>
+                </a:solidFill>
+              </a:rPr>
+              <a:t>1</a:t>
+            </a:r>
+            <a:r>
+              <a:rPr lang="en-IE" sz="1400" dirty="0" smtClean="0">
+                <a:solidFill>
+                  <a:schemeClr val="bg1"/>
+                </a:solidFill>
+              </a:rPr>
+              <a:t>: </a:t>
+            </a:r>
+            <a:r>
+              <a:rPr lang="en-IE" sz="1400" dirty="0">
+                <a:solidFill>
+                  <a:srgbClr val="000000"/>
+                </a:solidFill>
+                <a:hlinkClick r:id="rId9"/>
+              </a:rPr>
+              <a:t>https://</a:t>
+            </a:r>
+            <a:r>
+              <a:rPr lang="en-IE" sz="1400" dirty="0" smtClean="0">
+                <a:solidFill>
+                  <a:srgbClr val="000000"/>
+                </a:solidFill>
+                <a:hlinkClick r:id="rId9"/>
+              </a:rPr>
+              <a:t>www.babyalert.info/</a:t>
+            </a:r>
+            <a:r>
+              <a:rPr lang="en-IE" sz="1400" dirty="0">
+                <a:solidFill>
+                  <a:srgbClr val="000000"/>
+                </a:solidFill>
+              </a:rPr>
+              <a:t> </a:t>
+            </a:r>
+            <a:r>
+              <a:rPr lang="en-IE" sz="1400" dirty="0" smtClean="0">
+                <a:solidFill>
+                  <a:srgbClr val="000000"/>
+                </a:solidFill>
+              </a:rPr>
+              <a:t>   </a:t>
+            </a:r>
+            <a:r>
+              <a:rPr lang="en-IE" sz="1400" dirty="0" smtClean="0">
+                <a:solidFill>
+                  <a:schemeClr val="bg1"/>
+                </a:solidFill>
+              </a:rPr>
+              <a:t>2 </a:t>
+            </a:r>
+            <a:r>
+              <a:rPr lang="en-IE" sz="1400" dirty="0" smtClean="0">
+                <a:hlinkClick r:id="rId10"/>
+              </a:rPr>
+              <a:t>http</a:t>
+            </a:r>
+            <a:r>
+              <a:rPr lang="en-IE" sz="1400" dirty="0">
+                <a:hlinkClick r:id="rId10"/>
+              </a:rPr>
+              <a:t>://noheatstroke.org</a:t>
+            </a:r>
+            <a:r>
+              <a:rPr lang="en-IE" sz="1400" dirty="0" smtClean="0">
+                <a:hlinkClick r:id="rId10"/>
+              </a:rPr>
+              <a:t>/</a:t>
+            </a:r>
+            <a:r>
+              <a:rPr lang="en-IE" sz="1400" dirty="0" smtClean="0"/>
+              <a:t>  </a:t>
+            </a:r>
+            <a:r>
+              <a:rPr lang="en-IE" sz="1400" dirty="0" smtClean="0">
+                <a:solidFill>
+                  <a:srgbClr val="000000"/>
+                </a:solidFill>
+              </a:rPr>
+              <a:t>   </a:t>
+            </a:r>
+            <a:endParaRPr lang="en-IE" sz="1400" dirty="0">
+              <a:solidFill>
+                <a:srgbClr val="000000"/>
+              </a:solidFill>
+            </a:endParaRPr>
+          </a:p>
+          <a:p>
+            <a:pPr defTabSz="457200">
+              <a:spcBef>
+                <a:spcPts val="1000"/>
+              </a:spcBef>
+              <a:buClr>
+                <a:srgbClr val="1E4056"/>
+              </a:buClr>
+              <a:buSzPct val="75000"/>
+            </a:pPr>
+            <a:r>
+              <a:rPr lang="en-IE" sz="2000" dirty="0" smtClean="0">
+                <a:solidFill>
+                  <a:srgbClr val="000000"/>
+                </a:solidFill>
+              </a:rPr>
+              <a:t> </a:t>
+            </a:r>
+            <a:endParaRPr lang="en-IE" sz="2000" dirty="0">
+              <a:solidFill>
+                <a:srgbClr val="000000"/>
+              </a:solidFill>
+            </a:endParaRPr>
+          </a:p>
+        </p:txBody>
+      </p:sp>
+      <p:pic>
+        <p:nvPicPr>
+          <p:cNvPr id="20" name="Picture 19" descr="Image result for laurel hill secondary school">
+            <a:hlinkClick r:id="rId7"/>
+          </p:cNvPr>
+          <p:cNvPicPr>
+            <a:picLocks noChangeAspect="1" noChangeArrowheads="1"/>
+          </p:cNvPicPr>
+          <p:nvPr/>
+        </p:nvPicPr>
+        <p:blipFill rotWithShape="1">
+          <a:blip r:embed="rId8">
+            <a:extLst>
+              <a:ext uri="{28A0092B-C50C-407E-A947-70E740481C1C}">
+                <a14:useLocalDpi xmlns:a14="http://schemas.microsoft.com/office/drawing/2010/main" val="0"/>
+              </a:ext>
+            </a:extLst>
+          </a:blip>
+          <a:srcRect r="75582"/>
+          <a:stretch/>
+        </p:blipFill>
+        <p:spPr bwMode="auto">
+          <a:xfrm>
+            <a:off x="11123454" y="5805712"/>
+            <a:ext cx="1023283" cy="1004369"/>
+          </a:xfrm>
+          <a:prstGeom prst="rect">
+            <a:avLst/>
+          </a:prstGeom>
+          <a:solidFill>
+            <a:srgbClr val="FFFFFF">
+              <a:shade val="85000"/>
+            </a:srgbClr>
+          </a:solidFill>
+          <a:ln w="88900" cap="sq">
+            <a:solidFill>
+              <a:srgbClr val="FFFFFF"/>
+            </a:solidFill>
+            <a:miter lim="800000"/>
+          </a:ln>
+          <a:effectLst>
+            <a:outerShdw blurRad="55000" dist="18000" dir="5400000" algn="tl" rotWithShape="0">
+              <a:srgbClr val="000000">
+                <a:alpha val="40000"/>
+              </a:srgbClr>
+            </a:outerShdw>
+          </a:effectLst>
+          <a:scene3d>
+            <a:camera prst="orthographicFront"/>
+            <a:lightRig rig="twoPt" dir="t">
+              <a:rot lat="0" lon="0" rev="7200000"/>
+            </a:lightRig>
+          </a:scene3d>
+          <a:sp3d>
+            <a:bevelT w="25400" h="19050"/>
+            <a:contourClr>
+              <a:srgbClr val="FFFFFF"/>
+            </a:contourClr>
+          </a:sp3d>
+          <a:extLst/>
         </p:spPr>
       </p:pic>
     </p:spTree>
